--- a/初回資料.pptx
+++ b/初回資料.pptx
@@ -237,7 +237,7 @@
           <a:p>
             <a:fld id="{016100B0-BDD1-42AF-AA75-0D5E4C73D067}" type="datetimeFigureOut">
               <a:rPr kumimoji="1" lang="ja-JP" altLang="en-US" smtClean="0"/>
-              <a:t>2020/2/19</a:t>
+              <a:t>2020/9/2</a:t>
             </a:fld>
             <a:endParaRPr kumimoji="1" lang="ja-JP" altLang="en-US"/>
           </a:p>
@@ -15131,22 +15131,10 @@
               </a:spcBef>
             </a:pPr>
             <a:r>
-              <a:rPr kumimoji="1" lang="en-US" altLang="ja-JP" sz="1400" dirty="0" smtClean="0"/>
-              <a:t>OpenGL</a:t>
-            </a:r>
-            <a:r>
-              <a:rPr kumimoji="1" lang="ja-JP" altLang="en-US" sz="1400" dirty="0" smtClean="0"/>
-              <a:t>の初期化や描画開始</a:t>
-            </a:r>
-            <a:r>
-              <a:rPr kumimoji="1" lang="en-US" altLang="ja-JP" sz="1400" dirty="0" smtClean="0"/>
-              <a:t>/</a:t>
-            </a:r>
-            <a:r>
-              <a:rPr kumimoji="1" lang="ja-JP" altLang="en-US" sz="1400" dirty="0" smtClean="0"/>
-              <a:t>描画終了などをまとめたクラス</a:t>
-            </a:r>
-            <a:endParaRPr kumimoji="1" lang="en-US" altLang="ja-JP" sz="1400" dirty="0" smtClean="0"/>
+              <a:rPr lang="ja-JP" altLang="en-US" sz="1400" dirty="0" smtClean="0"/>
+              <a:t>ある</a:t>
+            </a:r>
+            <a:endParaRPr lang="en-US" altLang="ja-JP" sz="1400" dirty="0" smtClean="0"/>
           </a:p>
           <a:p>
             <a:pPr lvl="1">
@@ -15155,14 +15143,30 @@
               </a:spcBef>
             </a:pPr>
             <a:r>
-              <a:rPr lang="en-US" altLang="ja-JP" sz="1400" dirty="0" smtClean="0"/>
-              <a:t>Mouse</a:t>
-            </a:r>
-            <a:r>
-              <a:rPr lang="ja-JP" altLang="en-US" sz="1400" dirty="0" smtClean="0"/>
-              <a:t>入力に伴うカメラ回転機能もある</a:t>
-            </a:r>
-            <a:endParaRPr lang="en-US" altLang="ja-JP" sz="1400" dirty="0" smtClean="0"/>
+              <a:rPr kumimoji="1" lang="ja-JP" altLang="en-US" sz="1400" dirty="0" smtClean="0"/>
+              <a:t>中身は簡単</a:t>
+            </a:r>
+            <a:r>
+              <a:rPr kumimoji="1" lang="ja-JP" altLang="en-US" sz="1400" dirty="0" smtClean="0"/>
+              <a:t>なので</a:t>
+            </a:r>
+            <a:r>
+              <a:rPr lang="en-US" altLang="ja-JP" sz="1400" dirty="0"/>
+              <a:t>OpenGL</a:t>
+            </a:r>
+            <a:r>
+              <a:rPr lang="ja-JP" altLang="en-US" sz="1400" dirty="0"/>
+              <a:t>の初期化や描画開始</a:t>
+            </a:r>
+            <a:r>
+              <a:rPr lang="en-US" altLang="ja-JP" sz="1400" dirty="0"/>
+              <a:t>/</a:t>
+            </a:r>
+            <a:r>
+              <a:rPr lang="ja-JP" altLang="en-US" sz="1400" dirty="0"/>
+              <a:t>描画終了などをまとめたクラス</a:t>
+            </a:r>
+            <a:endParaRPr lang="en-US" altLang="ja-JP" sz="1400" dirty="0"/>
           </a:p>
           <a:p>
             <a:pPr lvl="1">
@@ -15171,8 +15175,20 @@
               </a:spcBef>
             </a:pPr>
             <a:r>
+              <a:rPr lang="en-US" altLang="ja-JP" sz="1400" dirty="0"/>
+              <a:t>Mouse</a:t>
+            </a:r>
+            <a:r>
+              <a:rPr lang="ja-JP" altLang="en-US" sz="1400" dirty="0"/>
+              <a:t>入力に伴うカメラ回転機能も</a:t>
+            </a:r>
+            <a:r>
               <a:rPr kumimoji="1" lang="ja-JP" altLang="en-US" sz="1400" dirty="0" smtClean="0"/>
-              <a:t>中身は簡単なので読んでおくとよい</a:t>
+              <a:t>読んで</a:t>
+            </a:r>
+            <a:r>
+              <a:rPr kumimoji="1" lang="ja-JP" altLang="en-US" sz="1400" dirty="0" smtClean="0"/>
+              <a:t>おくとよい</a:t>
             </a:r>
             <a:endParaRPr kumimoji="1" lang="en-US" altLang="ja-JP" sz="1400" dirty="0" smtClean="0"/>
           </a:p>
